--- a/集計枠.pptx
+++ b/集計枠.pptx
@@ -222,7 +222,7 @@
           <a:p>
             <a:fld id="{54CECBD4-7036-4040-B365-6EFE9282A025}" type="datetimeFigureOut">
               <a:rPr kumimoji="1" lang="ja-JP" altLang="en-US" smtClean="0"/>
-              <a:t>2021/2/7</a:t>
+              <a:t>2021/2/22</a:t>
             </a:fld>
             <a:endParaRPr kumimoji="1" lang="ja-JP" altLang="en-US"/>
           </a:p>
@@ -14350,7 +14350,7 @@
           <p:nvPr>
             <p:extLst>
               <p:ext uri="{D42A27DB-BD31-4B8C-83A1-F6EECF244321}">
-                <p14:modId xmlns:p14="http://schemas.microsoft.com/office/powerpoint/2010/main" val="1853866170"/>
+                <p14:modId xmlns:p14="http://schemas.microsoft.com/office/powerpoint/2010/main" val="1090608395"/>
               </p:ext>
             </p:extLst>
           </p:nvPr>
@@ -14832,7 +14832,7 @@
                     <a:bodyPr/>
                     <a:lstStyle/>
                     <a:p>
-                      <a:pPr algn="l" fontAlgn="ctr"/>
+                      <a:pPr algn="r" fontAlgn="ctr"/>
                       <a:endParaRPr lang="ja-JP" altLang="en-US" sz="1400" b="0" i="0" u="none" strike="noStrike" dirty="0">
                         <a:solidFill>
                           <a:srgbClr val="000000"/>
@@ -15034,7 +15034,7 @@
                     <a:bodyPr/>
                     <a:lstStyle/>
                     <a:p>
-                      <a:pPr algn="l" fontAlgn="ctr"/>
+                      <a:pPr algn="r" fontAlgn="ctr"/>
                       <a:endParaRPr lang="ja-JP" altLang="en-US" sz="1400" b="0" i="0" u="none" strike="noStrike" dirty="0">
                         <a:solidFill>
                           <a:srgbClr val="000000"/>
@@ -15236,7 +15236,7 @@
                     <a:bodyPr/>
                     <a:lstStyle/>
                     <a:p>
-                      <a:pPr algn="l" fontAlgn="ctr"/>
+                      <a:pPr algn="r" fontAlgn="ctr"/>
                       <a:endParaRPr lang="ja-JP" altLang="en-US" sz="1400" b="0" i="0" u="none" strike="noStrike" dirty="0">
                         <a:solidFill>
                           <a:srgbClr val="000000"/>
@@ -15438,7 +15438,7 @@
                     <a:bodyPr/>
                     <a:lstStyle/>
                     <a:p>
-                      <a:pPr algn="l" fontAlgn="ctr"/>
+                      <a:pPr algn="r" fontAlgn="ctr"/>
                       <a:endParaRPr lang="ja-JP" altLang="en-US" sz="1400" b="0" i="0" u="none" strike="noStrike">
                         <a:solidFill>
                           <a:srgbClr val="000000"/>
@@ -15640,7 +15640,7 @@
                     <a:bodyPr/>
                     <a:lstStyle/>
                     <a:p>
-                      <a:pPr algn="l" fontAlgn="ctr"/>
+                      <a:pPr algn="r" fontAlgn="ctr"/>
                       <a:endParaRPr lang="ja-JP" altLang="en-US" sz="1400" b="0" i="0" u="none" strike="noStrike" dirty="0">
                         <a:solidFill>
                           <a:srgbClr val="000000"/>
@@ -15842,7 +15842,7 @@
                     <a:bodyPr/>
                     <a:lstStyle/>
                     <a:p>
-                      <a:pPr algn="l" fontAlgn="ctr"/>
+                      <a:pPr algn="r" fontAlgn="ctr"/>
                       <a:endParaRPr lang="ja-JP" altLang="en-US" sz="1400" b="0" i="0" u="none" strike="noStrike">
                         <a:solidFill>
                           <a:srgbClr val="000000"/>
@@ -16044,7 +16044,7 @@
                     <a:bodyPr/>
                     <a:lstStyle/>
                     <a:p>
-                      <a:pPr algn="l" fontAlgn="ctr"/>
+                      <a:pPr algn="r" fontAlgn="ctr"/>
                       <a:endParaRPr lang="ja-JP" altLang="en-US" sz="1400" b="0" i="0" u="none" strike="noStrike" dirty="0">
                         <a:solidFill>
                           <a:srgbClr val="000000"/>
@@ -16246,7 +16246,7 @@
                     <a:bodyPr/>
                     <a:lstStyle/>
                     <a:p>
-                      <a:pPr algn="l" fontAlgn="ctr"/>
+                      <a:pPr algn="r" fontAlgn="ctr"/>
                       <a:endParaRPr lang="ja-JP" altLang="en-US" sz="1400" b="0" i="0" u="none" strike="noStrike" dirty="0">
                         <a:solidFill>
                           <a:srgbClr val="000000"/>
@@ -16448,7 +16448,7 @@
                     <a:bodyPr/>
                     <a:lstStyle/>
                     <a:p>
-                      <a:pPr algn="l" fontAlgn="ctr"/>
+                      <a:pPr algn="r" fontAlgn="ctr"/>
                       <a:endParaRPr lang="ja-JP" altLang="en-US" sz="1400" b="0" i="0" u="none" strike="noStrike" dirty="0">
                         <a:solidFill>
                           <a:srgbClr val="000000"/>
@@ -16650,7 +16650,7 @@
                     <a:bodyPr/>
                     <a:lstStyle/>
                     <a:p>
-                      <a:pPr algn="l" fontAlgn="ctr"/>
+                      <a:pPr algn="r" fontAlgn="ctr"/>
                       <a:endParaRPr lang="ja-JP" altLang="en-US" sz="1400" b="0" i="0" u="none" strike="noStrike" dirty="0">
                         <a:solidFill>
                           <a:srgbClr val="000000"/>
@@ -16852,7 +16852,7 @@
                     <a:bodyPr/>
                     <a:lstStyle/>
                     <a:p>
-                      <a:pPr algn="l" fontAlgn="ctr"/>
+                      <a:pPr algn="r" fontAlgn="ctr"/>
                       <a:endParaRPr lang="ja-JP" altLang="en-US" sz="1400" b="0" i="0" u="none" strike="noStrike" dirty="0">
                         <a:solidFill>
                           <a:srgbClr val="000000"/>
@@ -17054,7 +17054,7 @@
                     <a:bodyPr/>
                     <a:lstStyle/>
                     <a:p>
-                      <a:pPr algn="l" fontAlgn="ctr"/>
+                      <a:pPr algn="r" fontAlgn="ctr"/>
                       <a:endParaRPr lang="ja-JP" altLang="en-US" sz="1400" b="0" i="0" u="none" strike="noStrike" dirty="0">
                         <a:solidFill>
                           <a:srgbClr val="000000"/>
@@ -17256,7 +17256,7 @@
                     <a:bodyPr/>
                     <a:lstStyle/>
                     <a:p>
-                      <a:pPr algn="l" fontAlgn="ctr"/>
+                      <a:pPr algn="r" fontAlgn="ctr"/>
                       <a:endParaRPr lang="ja-JP" altLang="en-US" sz="1400" b="0" i="0" u="none" strike="noStrike" dirty="0">
                         <a:solidFill>
                           <a:srgbClr val="000000"/>
@@ -17458,7 +17458,7 @@
                     <a:bodyPr/>
                     <a:lstStyle/>
                     <a:p>
-                      <a:pPr algn="l" fontAlgn="ctr"/>
+                      <a:pPr algn="r" fontAlgn="ctr"/>
                       <a:endParaRPr lang="ja-JP" altLang="en-US" sz="1400" b="0" i="0" u="none" strike="noStrike" dirty="0">
                         <a:solidFill>
                           <a:srgbClr val="000000"/>
@@ -17660,7 +17660,7 @@
                     <a:bodyPr/>
                     <a:lstStyle/>
                     <a:p>
-                      <a:pPr algn="l" fontAlgn="ctr"/>
+                      <a:pPr algn="r" fontAlgn="ctr"/>
                       <a:endParaRPr lang="ja-JP" altLang="en-US" sz="1400" b="0" i="0" u="none" strike="noStrike" dirty="0">
                         <a:solidFill>
                           <a:srgbClr val="000000"/>
@@ -17862,7 +17862,7 @@
                     <a:bodyPr/>
                     <a:lstStyle/>
                     <a:p>
-                      <a:pPr algn="l" fontAlgn="ctr"/>
+                      <a:pPr algn="r" fontAlgn="ctr"/>
                       <a:endParaRPr lang="ja-JP" altLang="en-US" sz="1400" b="0" i="0" u="none" strike="noStrike" dirty="0">
                         <a:solidFill>
                           <a:srgbClr val="000000"/>
@@ -18064,7 +18064,7 @@
                     <a:bodyPr/>
                     <a:lstStyle/>
                     <a:p>
-                      <a:pPr algn="l" fontAlgn="ctr"/>
+                      <a:pPr algn="r" fontAlgn="ctr"/>
                       <a:endParaRPr lang="ja-JP" altLang="en-US" sz="1400" b="0" i="0" u="none" strike="noStrike" dirty="0">
                         <a:solidFill>
                           <a:srgbClr val="000000"/>
@@ -18266,7 +18266,7 @@
                     <a:bodyPr/>
                     <a:lstStyle/>
                     <a:p>
-                      <a:pPr algn="l" fontAlgn="ctr"/>
+                      <a:pPr algn="r" fontAlgn="ctr"/>
                       <a:endParaRPr lang="ja-JP" altLang="en-US" sz="1400" b="0" i="0" u="none" strike="noStrike" dirty="0">
                         <a:solidFill>
                           <a:srgbClr val="000000"/>
@@ -18468,7 +18468,7 @@
                     <a:bodyPr/>
                     <a:lstStyle/>
                     <a:p>
-                      <a:pPr algn="l" fontAlgn="ctr"/>
+                      <a:pPr algn="r" fontAlgn="ctr"/>
                       <a:endParaRPr lang="ja-JP" altLang="en-US" sz="1400" b="0" i="0" u="none" strike="noStrike" dirty="0">
                         <a:solidFill>
                           <a:srgbClr val="000000"/>
@@ -18670,7 +18670,7 @@
                     <a:bodyPr/>
                     <a:lstStyle/>
                     <a:p>
-                      <a:pPr algn="l" fontAlgn="ctr"/>
+                      <a:pPr algn="r" fontAlgn="ctr"/>
                       <a:endParaRPr lang="ja-JP" altLang="en-US" sz="1400" b="0" i="0" u="none" strike="noStrike" dirty="0">
                         <a:solidFill>
                           <a:srgbClr val="000000"/>
@@ -18872,7 +18872,7 @@
                     <a:bodyPr/>
                     <a:lstStyle/>
                     <a:p>
-                      <a:pPr algn="l" fontAlgn="ctr"/>
+                      <a:pPr algn="r" fontAlgn="ctr"/>
                       <a:endParaRPr lang="ja-JP" altLang="en-US" sz="1400" b="0" i="0" u="none" strike="noStrike" dirty="0">
                         <a:solidFill>
                           <a:srgbClr val="000000"/>

--- a/集計枠.pptx
+++ b/集計枠.pptx
@@ -222,7 +222,7 @@
           <a:p>
             <a:fld id="{54CECBD4-7036-4040-B365-6EFE9282A025}" type="datetimeFigureOut">
               <a:rPr kumimoji="1" lang="ja-JP" altLang="en-US" smtClean="0"/>
-              <a:t>2021/2/22</a:t>
+              <a:t>2021/2/23</a:t>
             </a:fld>
             <a:endParaRPr kumimoji="1" lang="ja-JP" altLang="en-US"/>
           </a:p>
@@ -14350,7 +14350,7 @@
           <p:nvPr>
             <p:extLst>
               <p:ext uri="{D42A27DB-BD31-4B8C-83A1-F6EECF244321}">
-                <p14:modId xmlns:p14="http://schemas.microsoft.com/office/powerpoint/2010/main" val="1090608395"/>
+                <p14:modId xmlns:p14="http://schemas.microsoft.com/office/powerpoint/2010/main" val="48765088"/>
               </p:ext>
             </p:extLst>
           </p:nvPr>
@@ -14897,14 +14897,17 @@
                     <a:lstStyle/>
                     <a:p>
                       <a:pPr algn="r" fontAlgn="ctr"/>
-                      <a:endParaRPr lang="en-US" altLang="ja-JP" sz="1400" b="0" i="0" u="none" strike="noStrike" dirty="0">
-                        <a:solidFill>
-                          <a:srgbClr val="000000"/>
-                        </a:solidFill>
-                        <a:effectLst/>
-                        <a:latin typeface="メイリオ" panose="020B0604030504040204" pitchFamily="50" charset="-128"/>
-                        <a:ea typeface="メイリオ" panose="020B0604030504040204" pitchFamily="50" charset="-128"/>
-                      </a:endParaRPr>
+                      <a:r>
+                        <a:rPr lang="en-US" altLang="ja-JP" sz="1400" b="0" i="0" u="none" strike="noStrike" dirty="0">
+                          <a:solidFill>
+                            <a:srgbClr val="000000"/>
+                          </a:solidFill>
+                          <a:effectLst/>
+                          <a:latin typeface="メイリオ" panose="020B0604030504040204" pitchFamily="50" charset="-128"/>
+                          <a:ea typeface="メイリオ" panose="020B0604030504040204" pitchFamily="50" charset="-128"/>
+                        </a:rPr>
+                        <a:t>0</a:t>
+                      </a:r>
                     </a:p>
                   </a:txBody>
                   <a:tcPr marL="180000" marR="180000" marT="0" marB="0" anchor="b">
@@ -15099,14 +15102,17 @@
                     <a:lstStyle/>
                     <a:p>
                       <a:pPr algn="r" fontAlgn="ctr"/>
-                      <a:endParaRPr lang="en-US" altLang="ja-JP" sz="1400" b="0" i="0" u="none" strike="noStrike" dirty="0">
-                        <a:solidFill>
-                          <a:srgbClr val="000000"/>
-                        </a:solidFill>
-                        <a:effectLst/>
-                        <a:latin typeface="メイリオ" panose="020B0604030504040204" pitchFamily="50" charset="-128"/>
-                        <a:ea typeface="メイリオ" panose="020B0604030504040204" pitchFamily="50" charset="-128"/>
-                      </a:endParaRPr>
+                      <a:r>
+                        <a:rPr lang="en-US" altLang="ja-JP" sz="1400" b="0" i="0" u="none" strike="noStrike" dirty="0">
+                          <a:solidFill>
+                            <a:srgbClr val="000000"/>
+                          </a:solidFill>
+                          <a:effectLst/>
+                          <a:latin typeface="メイリオ" panose="020B0604030504040204" pitchFamily="50" charset="-128"/>
+                          <a:ea typeface="メイリオ" panose="020B0604030504040204" pitchFamily="50" charset="-128"/>
+                        </a:rPr>
+                        <a:t>0</a:t>
+                      </a:r>
                     </a:p>
                   </a:txBody>
                   <a:tcPr marL="180000" marR="180000" marT="0" marB="0" anchor="b">
@@ -15301,14 +15307,17 @@
                     <a:lstStyle/>
                     <a:p>
                       <a:pPr algn="r" fontAlgn="ctr"/>
-                      <a:endParaRPr lang="en-US" altLang="ja-JP" sz="1400" b="0" i="0" u="none" strike="noStrike" dirty="0">
-                        <a:solidFill>
-                          <a:srgbClr val="000000"/>
-                        </a:solidFill>
-                        <a:effectLst/>
-                        <a:latin typeface="メイリオ" panose="020B0604030504040204" pitchFamily="50" charset="-128"/>
-                        <a:ea typeface="メイリオ" panose="020B0604030504040204" pitchFamily="50" charset="-128"/>
-                      </a:endParaRPr>
+                      <a:r>
+                        <a:rPr lang="en-US" altLang="ja-JP" sz="1400" b="0" i="0" u="none" strike="noStrike" dirty="0">
+                          <a:solidFill>
+                            <a:srgbClr val="000000"/>
+                          </a:solidFill>
+                          <a:effectLst/>
+                          <a:latin typeface="メイリオ" panose="020B0604030504040204" pitchFamily="50" charset="-128"/>
+                          <a:ea typeface="メイリオ" panose="020B0604030504040204" pitchFamily="50" charset="-128"/>
+                        </a:rPr>
+                        <a:t>0</a:t>
+                      </a:r>
                     </a:p>
                   </a:txBody>
                   <a:tcPr marL="180000" marR="180000" marT="0" marB="0" anchor="b">
@@ -15503,14 +15512,17 @@
                     <a:lstStyle/>
                     <a:p>
                       <a:pPr algn="r" fontAlgn="ctr"/>
-                      <a:endParaRPr lang="en-US" altLang="ja-JP" sz="1400" b="0" i="0" u="none" strike="noStrike" dirty="0">
-                        <a:solidFill>
-                          <a:srgbClr val="000000"/>
-                        </a:solidFill>
-                        <a:effectLst/>
-                        <a:latin typeface="メイリオ" panose="020B0604030504040204" pitchFamily="50" charset="-128"/>
-                        <a:ea typeface="メイリオ" panose="020B0604030504040204" pitchFamily="50" charset="-128"/>
-                      </a:endParaRPr>
+                      <a:r>
+                        <a:rPr lang="en-US" altLang="ja-JP" sz="1400" b="0" i="0" u="none" strike="noStrike" dirty="0">
+                          <a:solidFill>
+                            <a:srgbClr val="000000"/>
+                          </a:solidFill>
+                          <a:effectLst/>
+                          <a:latin typeface="メイリオ" panose="020B0604030504040204" pitchFamily="50" charset="-128"/>
+                          <a:ea typeface="メイリオ" panose="020B0604030504040204" pitchFamily="50" charset="-128"/>
+                        </a:rPr>
+                        <a:t>0</a:t>
+                      </a:r>
                     </a:p>
                   </a:txBody>
                   <a:tcPr marL="180000" marR="180000" marT="0" marB="0" anchor="b">
@@ -15705,14 +15717,17 @@
                     <a:lstStyle/>
                     <a:p>
                       <a:pPr algn="r" fontAlgn="ctr"/>
-                      <a:endParaRPr lang="en-US" altLang="ja-JP" sz="1400" b="0" i="0" u="none" strike="noStrike" dirty="0">
-                        <a:solidFill>
-                          <a:srgbClr val="000000"/>
-                        </a:solidFill>
-                        <a:effectLst/>
-                        <a:latin typeface="メイリオ" panose="020B0604030504040204" pitchFamily="50" charset="-128"/>
-                        <a:ea typeface="メイリオ" panose="020B0604030504040204" pitchFamily="50" charset="-128"/>
-                      </a:endParaRPr>
+                      <a:r>
+                        <a:rPr lang="en-US" altLang="ja-JP" sz="1400" b="0" i="0" u="none" strike="noStrike" dirty="0">
+                          <a:solidFill>
+                            <a:srgbClr val="000000"/>
+                          </a:solidFill>
+                          <a:effectLst/>
+                          <a:latin typeface="メイリオ" panose="020B0604030504040204" pitchFamily="50" charset="-128"/>
+                          <a:ea typeface="メイリオ" panose="020B0604030504040204" pitchFamily="50" charset="-128"/>
+                        </a:rPr>
+                        <a:t>0</a:t>
+                      </a:r>
                     </a:p>
                   </a:txBody>
                   <a:tcPr marL="180000" marR="180000" marT="0" marB="0" anchor="b">
@@ -15907,14 +15922,17 @@
                     <a:lstStyle/>
                     <a:p>
                       <a:pPr algn="r" fontAlgn="ctr"/>
-                      <a:endParaRPr lang="en-US" altLang="ja-JP" sz="1400" b="0" i="0" u="none" strike="noStrike" dirty="0">
-                        <a:solidFill>
-                          <a:srgbClr val="000000"/>
-                        </a:solidFill>
-                        <a:effectLst/>
-                        <a:latin typeface="メイリオ" panose="020B0604030504040204" pitchFamily="50" charset="-128"/>
-                        <a:ea typeface="メイリオ" panose="020B0604030504040204" pitchFamily="50" charset="-128"/>
-                      </a:endParaRPr>
+                      <a:r>
+                        <a:rPr lang="en-US" altLang="ja-JP" sz="1400" b="0" i="0" u="none" strike="noStrike" dirty="0">
+                          <a:solidFill>
+                            <a:srgbClr val="000000"/>
+                          </a:solidFill>
+                          <a:effectLst/>
+                          <a:latin typeface="メイリオ" panose="020B0604030504040204" pitchFamily="50" charset="-128"/>
+                          <a:ea typeface="メイリオ" panose="020B0604030504040204" pitchFamily="50" charset="-128"/>
+                        </a:rPr>
+                        <a:t>0</a:t>
+                      </a:r>
                     </a:p>
                   </a:txBody>
                   <a:tcPr marL="180000" marR="180000" marT="0" marB="0" anchor="b">
@@ -16109,14 +16127,17 @@
                     <a:lstStyle/>
                     <a:p>
                       <a:pPr algn="r" fontAlgn="ctr"/>
-                      <a:endParaRPr lang="en-US" altLang="ja-JP" sz="1400" b="0" i="0" u="none" strike="noStrike" dirty="0">
-                        <a:solidFill>
-                          <a:srgbClr val="000000"/>
-                        </a:solidFill>
-                        <a:effectLst/>
-                        <a:latin typeface="メイリオ" panose="020B0604030504040204" pitchFamily="50" charset="-128"/>
-                        <a:ea typeface="メイリオ" panose="020B0604030504040204" pitchFamily="50" charset="-128"/>
-                      </a:endParaRPr>
+                      <a:r>
+                        <a:rPr lang="en-US" altLang="ja-JP" sz="1400" b="0" i="0" u="none" strike="noStrike" dirty="0">
+                          <a:solidFill>
+                            <a:srgbClr val="000000"/>
+                          </a:solidFill>
+                          <a:effectLst/>
+                          <a:latin typeface="メイリオ" panose="020B0604030504040204" pitchFamily="50" charset="-128"/>
+                          <a:ea typeface="メイリオ" panose="020B0604030504040204" pitchFamily="50" charset="-128"/>
+                        </a:rPr>
+                        <a:t>0</a:t>
+                      </a:r>
                     </a:p>
                   </a:txBody>
                   <a:tcPr marL="180000" marR="180000" marT="0" marB="0" anchor="b">
@@ -16311,14 +16332,17 @@
                     <a:lstStyle/>
                     <a:p>
                       <a:pPr algn="r" fontAlgn="ctr"/>
-                      <a:endParaRPr lang="en-US" altLang="ja-JP" sz="1400" b="0" i="0" u="none" strike="noStrike" dirty="0">
-                        <a:solidFill>
-                          <a:srgbClr val="000000"/>
-                        </a:solidFill>
-                        <a:effectLst/>
-                        <a:latin typeface="メイリオ" panose="020B0604030504040204" pitchFamily="50" charset="-128"/>
-                        <a:ea typeface="メイリオ" panose="020B0604030504040204" pitchFamily="50" charset="-128"/>
-                      </a:endParaRPr>
+                      <a:r>
+                        <a:rPr lang="en-US" altLang="ja-JP" sz="1400" b="0" i="0" u="none" strike="noStrike" dirty="0">
+                          <a:solidFill>
+                            <a:srgbClr val="000000"/>
+                          </a:solidFill>
+                          <a:effectLst/>
+                          <a:latin typeface="メイリオ" panose="020B0604030504040204" pitchFamily="50" charset="-128"/>
+                          <a:ea typeface="メイリオ" panose="020B0604030504040204" pitchFamily="50" charset="-128"/>
+                        </a:rPr>
+                        <a:t>0</a:t>
+                      </a:r>
                     </a:p>
                   </a:txBody>
                   <a:tcPr marL="180000" marR="180000" marT="0" marB="0" anchor="b">
@@ -16513,14 +16537,17 @@
                     <a:lstStyle/>
                     <a:p>
                       <a:pPr algn="r" fontAlgn="ctr"/>
-                      <a:endParaRPr lang="en-US" altLang="ja-JP" sz="1400" b="0" i="0" u="none" strike="noStrike" dirty="0">
-                        <a:solidFill>
-                          <a:srgbClr val="000000"/>
-                        </a:solidFill>
-                        <a:effectLst/>
-                        <a:latin typeface="メイリオ" panose="020B0604030504040204" pitchFamily="50" charset="-128"/>
-                        <a:ea typeface="メイリオ" panose="020B0604030504040204" pitchFamily="50" charset="-128"/>
-                      </a:endParaRPr>
+                      <a:r>
+                        <a:rPr lang="en-US" altLang="ja-JP" sz="1400" b="0" i="0" u="none" strike="noStrike" dirty="0">
+                          <a:solidFill>
+                            <a:srgbClr val="000000"/>
+                          </a:solidFill>
+                          <a:effectLst/>
+                          <a:latin typeface="メイリオ" panose="020B0604030504040204" pitchFamily="50" charset="-128"/>
+                          <a:ea typeface="メイリオ" panose="020B0604030504040204" pitchFamily="50" charset="-128"/>
+                        </a:rPr>
+                        <a:t>0</a:t>
+                      </a:r>
                     </a:p>
                   </a:txBody>
                   <a:tcPr marL="180000" marR="180000" marT="0" marB="0" anchor="b">
@@ -16715,14 +16742,17 @@
                     <a:lstStyle/>
                     <a:p>
                       <a:pPr algn="r" fontAlgn="ctr"/>
-                      <a:endParaRPr lang="en-US" altLang="ja-JP" sz="1400" b="0" i="0" u="none" strike="noStrike" dirty="0">
-                        <a:solidFill>
-                          <a:srgbClr val="000000"/>
-                        </a:solidFill>
-                        <a:effectLst/>
-                        <a:latin typeface="メイリオ" panose="020B0604030504040204" pitchFamily="50" charset="-128"/>
-                        <a:ea typeface="メイリオ" panose="020B0604030504040204" pitchFamily="50" charset="-128"/>
-                      </a:endParaRPr>
+                      <a:r>
+                        <a:rPr lang="en-US" altLang="ja-JP" sz="1400" b="0" i="0" u="none" strike="noStrike" dirty="0">
+                          <a:solidFill>
+                            <a:srgbClr val="000000"/>
+                          </a:solidFill>
+                          <a:effectLst/>
+                          <a:latin typeface="メイリオ" panose="020B0604030504040204" pitchFamily="50" charset="-128"/>
+                          <a:ea typeface="メイリオ" panose="020B0604030504040204" pitchFamily="50" charset="-128"/>
+                        </a:rPr>
+                        <a:t>0</a:t>
+                      </a:r>
                     </a:p>
                   </a:txBody>
                   <a:tcPr marL="180000" marR="180000" marT="0" marB="0" anchor="b">
@@ -16917,14 +16947,17 @@
                     <a:lstStyle/>
                     <a:p>
                       <a:pPr algn="r" fontAlgn="ctr"/>
-                      <a:endParaRPr lang="en-US" altLang="ja-JP" sz="1400" b="0" i="0" u="none" strike="noStrike" dirty="0">
-                        <a:solidFill>
-                          <a:srgbClr val="000000"/>
-                        </a:solidFill>
-                        <a:effectLst/>
-                        <a:latin typeface="メイリオ" panose="020B0604030504040204" pitchFamily="50" charset="-128"/>
-                        <a:ea typeface="メイリオ" panose="020B0604030504040204" pitchFamily="50" charset="-128"/>
-                      </a:endParaRPr>
+                      <a:r>
+                        <a:rPr lang="en-US" altLang="ja-JP" sz="1400" b="0" i="0" u="none" strike="noStrike" dirty="0">
+                          <a:solidFill>
+                            <a:srgbClr val="000000"/>
+                          </a:solidFill>
+                          <a:effectLst/>
+                          <a:latin typeface="メイリオ" panose="020B0604030504040204" pitchFamily="50" charset="-128"/>
+                          <a:ea typeface="メイリオ" panose="020B0604030504040204" pitchFamily="50" charset="-128"/>
+                        </a:rPr>
+                        <a:t>0</a:t>
+                      </a:r>
                     </a:p>
                   </a:txBody>
                   <a:tcPr marL="180000" marR="180000" marT="0" marB="0" anchor="b">
@@ -17119,14 +17152,17 @@
                     <a:lstStyle/>
                     <a:p>
                       <a:pPr algn="r" fontAlgn="ctr"/>
-                      <a:endParaRPr lang="en-US" altLang="ja-JP" sz="1400" b="0" i="0" u="none" strike="noStrike" dirty="0">
-                        <a:solidFill>
-                          <a:srgbClr val="000000"/>
-                        </a:solidFill>
-                        <a:effectLst/>
-                        <a:latin typeface="メイリオ" panose="020B0604030504040204" pitchFamily="50" charset="-128"/>
-                        <a:ea typeface="メイリオ" panose="020B0604030504040204" pitchFamily="50" charset="-128"/>
-                      </a:endParaRPr>
+                      <a:r>
+                        <a:rPr lang="en-US" altLang="ja-JP" sz="1400" b="0" i="0" u="none" strike="noStrike" dirty="0">
+                          <a:solidFill>
+                            <a:srgbClr val="000000"/>
+                          </a:solidFill>
+                          <a:effectLst/>
+                          <a:latin typeface="メイリオ" panose="020B0604030504040204" pitchFamily="50" charset="-128"/>
+                          <a:ea typeface="メイリオ" panose="020B0604030504040204" pitchFamily="50" charset="-128"/>
+                        </a:rPr>
+                        <a:t>0</a:t>
+                      </a:r>
                     </a:p>
                   </a:txBody>
                   <a:tcPr marL="180000" marR="180000" marT="0" marB="0" anchor="b">
@@ -17321,14 +17357,17 @@
                     <a:lstStyle/>
                     <a:p>
                       <a:pPr algn="r" fontAlgn="ctr"/>
-                      <a:endParaRPr lang="en-US" altLang="ja-JP" sz="1400" b="0" i="0" u="none" strike="noStrike" dirty="0">
-                        <a:solidFill>
-                          <a:srgbClr val="000000"/>
-                        </a:solidFill>
-                        <a:effectLst/>
-                        <a:latin typeface="メイリオ" panose="020B0604030504040204" pitchFamily="50" charset="-128"/>
-                        <a:ea typeface="メイリオ" panose="020B0604030504040204" pitchFamily="50" charset="-128"/>
-                      </a:endParaRPr>
+                      <a:r>
+                        <a:rPr lang="en-US" altLang="ja-JP" sz="1400" b="0" i="0" u="none" strike="noStrike" dirty="0">
+                          <a:solidFill>
+                            <a:srgbClr val="000000"/>
+                          </a:solidFill>
+                          <a:effectLst/>
+                          <a:latin typeface="メイリオ" panose="020B0604030504040204" pitchFamily="50" charset="-128"/>
+                          <a:ea typeface="メイリオ" panose="020B0604030504040204" pitchFamily="50" charset="-128"/>
+                        </a:rPr>
+                        <a:t>0</a:t>
+                      </a:r>
                     </a:p>
                   </a:txBody>
                   <a:tcPr marL="180000" marR="180000" marT="0" marB="0" anchor="b">
@@ -17523,14 +17562,17 @@
                     <a:lstStyle/>
                     <a:p>
                       <a:pPr algn="r" fontAlgn="ctr"/>
-                      <a:endParaRPr lang="en-US" altLang="ja-JP" sz="1400" b="0" i="0" u="none" strike="noStrike" dirty="0">
-                        <a:solidFill>
-                          <a:srgbClr val="000000"/>
-                        </a:solidFill>
-                        <a:effectLst/>
-                        <a:latin typeface="メイリオ" panose="020B0604030504040204" pitchFamily="50" charset="-128"/>
-                        <a:ea typeface="メイリオ" panose="020B0604030504040204" pitchFamily="50" charset="-128"/>
-                      </a:endParaRPr>
+                      <a:r>
+                        <a:rPr lang="en-US" altLang="ja-JP" sz="1400" b="0" i="0" u="none" strike="noStrike" dirty="0">
+                          <a:solidFill>
+                            <a:srgbClr val="000000"/>
+                          </a:solidFill>
+                          <a:effectLst/>
+                          <a:latin typeface="メイリオ" panose="020B0604030504040204" pitchFamily="50" charset="-128"/>
+                          <a:ea typeface="メイリオ" panose="020B0604030504040204" pitchFamily="50" charset="-128"/>
+                        </a:rPr>
+                        <a:t>0</a:t>
+                      </a:r>
                     </a:p>
                   </a:txBody>
                   <a:tcPr marL="180000" marR="180000" marT="0" marB="0" anchor="b">
@@ -17725,14 +17767,17 @@
                     <a:lstStyle/>
                     <a:p>
                       <a:pPr algn="r" fontAlgn="ctr"/>
-                      <a:endParaRPr lang="en-US" altLang="ja-JP" sz="1400" b="0" i="0" u="none" strike="noStrike" dirty="0">
-                        <a:solidFill>
-                          <a:srgbClr val="000000"/>
-                        </a:solidFill>
-                        <a:effectLst/>
-                        <a:latin typeface="メイリオ" panose="020B0604030504040204" pitchFamily="50" charset="-128"/>
-                        <a:ea typeface="メイリオ" panose="020B0604030504040204" pitchFamily="50" charset="-128"/>
-                      </a:endParaRPr>
+                      <a:r>
+                        <a:rPr lang="en-US" altLang="ja-JP" sz="1400" b="0" i="0" u="none" strike="noStrike" dirty="0">
+                          <a:solidFill>
+                            <a:srgbClr val="000000"/>
+                          </a:solidFill>
+                          <a:effectLst/>
+                          <a:latin typeface="メイリオ" panose="020B0604030504040204" pitchFamily="50" charset="-128"/>
+                          <a:ea typeface="メイリオ" panose="020B0604030504040204" pitchFamily="50" charset="-128"/>
+                        </a:rPr>
+                        <a:t>0</a:t>
+                      </a:r>
                     </a:p>
                   </a:txBody>
                   <a:tcPr marL="180000" marR="180000" marT="0" marB="0" anchor="b">
@@ -17927,14 +17972,17 @@
                     <a:lstStyle/>
                     <a:p>
                       <a:pPr algn="r" fontAlgn="ctr"/>
-                      <a:endParaRPr lang="en-US" altLang="ja-JP" sz="1400" b="0" i="0" u="none" strike="noStrike" dirty="0">
-                        <a:solidFill>
-                          <a:srgbClr val="000000"/>
-                        </a:solidFill>
-                        <a:effectLst/>
-                        <a:latin typeface="メイリオ" panose="020B0604030504040204" pitchFamily="50" charset="-128"/>
-                        <a:ea typeface="メイリオ" panose="020B0604030504040204" pitchFamily="50" charset="-128"/>
-                      </a:endParaRPr>
+                      <a:r>
+                        <a:rPr lang="en-US" altLang="ja-JP" sz="1400" b="0" i="0" u="none" strike="noStrike" dirty="0">
+                          <a:solidFill>
+                            <a:srgbClr val="000000"/>
+                          </a:solidFill>
+                          <a:effectLst/>
+                          <a:latin typeface="メイリオ" panose="020B0604030504040204" pitchFamily="50" charset="-128"/>
+                          <a:ea typeface="メイリオ" panose="020B0604030504040204" pitchFamily="50" charset="-128"/>
+                        </a:rPr>
+                        <a:t>0</a:t>
+                      </a:r>
                     </a:p>
                   </a:txBody>
                   <a:tcPr marL="180000" marR="180000" marT="0" marB="0" anchor="b">
@@ -18129,14 +18177,17 @@
                     <a:lstStyle/>
                     <a:p>
                       <a:pPr algn="r" fontAlgn="ctr"/>
-                      <a:endParaRPr lang="en-US" altLang="ja-JP" sz="1400" b="0" i="0" u="none" strike="noStrike" dirty="0">
-                        <a:solidFill>
-                          <a:srgbClr val="000000"/>
-                        </a:solidFill>
-                        <a:effectLst/>
-                        <a:latin typeface="メイリオ" panose="020B0604030504040204" pitchFamily="50" charset="-128"/>
-                        <a:ea typeface="メイリオ" panose="020B0604030504040204" pitchFamily="50" charset="-128"/>
-                      </a:endParaRPr>
+                      <a:r>
+                        <a:rPr lang="en-US" altLang="ja-JP" sz="1400" b="0" i="0" u="none" strike="noStrike" dirty="0">
+                          <a:solidFill>
+                            <a:srgbClr val="000000"/>
+                          </a:solidFill>
+                          <a:effectLst/>
+                          <a:latin typeface="メイリオ" panose="020B0604030504040204" pitchFamily="50" charset="-128"/>
+                          <a:ea typeface="メイリオ" panose="020B0604030504040204" pitchFamily="50" charset="-128"/>
+                        </a:rPr>
+                        <a:t>0</a:t>
+                      </a:r>
                     </a:p>
                   </a:txBody>
                   <a:tcPr marL="180000" marR="180000" marT="0" marB="0" anchor="b">
@@ -18331,14 +18382,17 @@
                     <a:lstStyle/>
                     <a:p>
                       <a:pPr algn="r" fontAlgn="ctr"/>
-                      <a:endParaRPr lang="en-US" altLang="ja-JP" sz="1400" b="0" i="0" u="none" strike="noStrike" dirty="0">
-                        <a:solidFill>
-                          <a:srgbClr val="000000"/>
-                        </a:solidFill>
-                        <a:effectLst/>
-                        <a:latin typeface="メイリオ" panose="020B0604030504040204" pitchFamily="50" charset="-128"/>
-                        <a:ea typeface="メイリオ" panose="020B0604030504040204" pitchFamily="50" charset="-128"/>
-                      </a:endParaRPr>
+                      <a:r>
+                        <a:rPr lang="en-US" altLang="ja-JP" sz="1400" b="0" i="0" u="none" strike="noStrike" dirty="0">
+                          <a:solidFill>
+                            <a:srgbClr val="000000"/>
+                          </a:solidFill>
+                          <a:effectLst/>
+                          <a:latin typeface="メイリオ" panose="020B0604030504040204" pitchFamily="50" charset="-128"/>
+                          <a:ea typeface="メイリオ" panose="020B0604030504040204" pitchFamily="50" charset="-128"/>
+                        </a:rPr>
+                        <a:t>0</a:t>
+                      </a:r>
                     </a:p>
                   </a:txBody>
                   <a:tcPr marL="180000" marR="180000" marT="0" marB="0" anchor="b">
@@ -18533,14 +18587,17 @@
                     <a:lstStyle/>
                     <a:p>
                       <a:pPr algn="r" fontAlgn="ctr"/>
-                      <a:endParaRPr lang="en-US" altLang="ja-JP" sz="1400" b="0" i="0" u="none" strike="noStrike" dirty="0">
-                        <a:solidFill>
-                          <a:srgbClr val="000000"/>
-                        </a:solidFill>
-                        <a:effectLst/>
-                        <a:latin typeface="メイリオ" panose="020B0604030504040204" pitchFamily="50" charset="-128"/>
-                        <a:ea typeface="メイリオ" panose="020B0604030504040204" pitchFamily="50" charset="-128"/>
-                      </a:endParaRPr>
+                      <a:r>
+                        <a:rPr lang="en-US" altLang="ja-JP" sz="1400" b="0" i="0" u="none" strike="noStrike" dirty="0">
+                          <a:solidFill>
+                            <a:srgbClr val="000000"/>
+                          </a:solidFill>
+                          <a:effectLst/>
+                          <a:latin typeface="メイリオ" panose="020B0604030504040204" pitchFamily="50" charset="-128"/>
+                          <a:ea typeface="メイリオ" panose="020B0604030504040204" pitchFamily="50" charset="-128"/>
+                        </a:rPr>
+                        <a:t>0</a:t>
+                      </a:r>
                     </a:p>
                   </a:txBody>
                   <a:tcPr marL="180000" marR="180000" marT="0" marB="0" anchor="b">
@@ -18735,14 +18792,17 @@
                     <a:lstStyle/>
                     <a:p>
                       <a:pPr algn="r" fontAlgn="ctr"/>
-                      <a:endParaRPr lang="en-US" altLang="ja-JP" sz="1400" b="0" i="0" u="none" strike="noStrike" dirty="0">
-                        <a:solidFill>
-                          <a:srgbClr val="000000"/>
-                        </a:solidFill>
-                        <a:effectLst/>
-                        <a:latin typeface="メイリオ" panose="020B0604030504040204" pitchFamily="50" charset="-128"/>
-                        <a:ea typeface="メイリオ" panose="020B0604030504040204" pitchFamily="50" charset="-128"/>
-                      </a:endParaRPr>
+                      <a:r>
+                        <a:rPr lang="en-US" altLang="ja-JP" sz="1400" b="0" i="0" u="none" strike="noStrike" dirty="0">
+                          <a:solidFill>
+                            <a:srgbClr val="000000"/>
+                          </a:solidFill>
+                          <a:effectLst/>
+                          <a:latin typeface="メイリオ" panose="020B0604030504040204" pitchFamily="50" charset="-128"/>
+                          <a:ea typeface="メイリオ" panose="020B0604030504040204" pitchFamily="50" charset="-128"/>
+                        </a:rPr>
+                        <a:t>0</a:t>
+                      </a:r>
                     </a:p>
                   </a:txBody>
                   <a:tcPr marL="180000" marR="180000" marT="0" marB="0" anchor="b">
@@ -18937,14 +18997,17 @@
                     <a:lstStyle/>
                     <a:p>
                       <a:pPr algn="r" fontAlgn="ctr"/>
-                      <a:endParaRPr lang="en-US" altLang="ja-JP" sz="1400" b="0" i="0" u="none" strike="noStrike" dirty="0">
-                        <a:solidFill>
-                          <a:srgbClr val="000000"/>
-                        </a:solidFill>
-                        <a:effectLst/>
-                        <a:latin typeface="メイリオ" panose="020B0604030504040204" pitchFamily="50" charset="-128"/>
-                        <a:ea typeface="メイリオ" panose="020B0604030504040204" pitchFamily="50" charset="-128"/>
-                      </a:endParaRPr>
+                      <a:r>
+                        <a:rPr lang="en-US" altLang="ja-JP" sz="1400" b="0" i="0" u="none" strike="noStrike" dirty="0">
+                          <a:solidFill>
+                            <a:srgbClr val="000000"/>
+                          </a:solidFill>
+                          <a:effectLst/>
+                          <a:latin typeface="メイリオ" panose="020B0604030504040204" pitchFamily="50" charset="-128"/>
+                          <a:ea typeface="メイリオ" panose="020B0604030504040204" pitchFamily="50" charset="-128"/>
+                        </a:rPr>
+                        <a:t>0</a:t>
+                      </a:r>
                     </a:p>
                   </a:txBody>
                   <a:tcPr marL="180000" marR="180000" marT="0" marB="0" anchor="b">
